--- a/ClassMaterials/2DArraysAndMaps/Slides/Part2-2D-Arrays.pptx
+++ b/ClassMaterials/2DArraysAndMaps/Slides/Part2-2D-Arrays.pptx
@@ -35,7 +35,7 @@
     <p:sldId id="293" r:id="rId26"/>
     <p:sldId id="294" r:id="rId27"/>
     <p:sldId id="299" r:id="rId28"/>
-    <p:sldId id="257" r:id="rId29"/>
+    <p:sldId id="316" r:id="rId29"/>
     <p:sldId id="314" r:id="rId30"/>
   </p:sldIdLst>
   <p:sldSz cx="9144000" cy="6858000" type="screen4x3"/>
@@ -316,7 +316,7 @@
               <a:pPr>
                 <a:defRPr/>
               </a:pPr>
-              <a:t>11/22/2022</a:t>
+              <a:t>12/1/2022</a:t>
             </a:fld>
             <a:endParaRPr lang="en-US"/>
           </a:p>
@@ -551,7 +551,7 @@
               <a:pPr>
                 <a:defRPr/>
               </a:pPr>
-              <a:t>11/22/2022</a:t>
+              <a:t>12/1/2022</a:t>
             </a:fld>
             <a:endParaRPr lang="en-US"/>
           </a:p>
@@ -1222,20 +1222,20 @@
           <a:lstStyle/>
           <a:p>
             <a:r>
-              <a:rPr lang="en-US"/>
-              <a:t>Once groups are finished, ask them to work on the array problems from SVN</a:t>
-            </a:r>
-          </a:p>
-          <a:p>
-            <a:r>
-              <a:rPr lang="en-US"/>
+              <a:rPr lang="en-US" dirty="0"/>
+              <a:t>Once groups are finished, ask them to work on the array problems from git</a:t>
+            </a:r>
+          </a:p>
+          <a:p>
+            <a:r>
+              <a:rPr lang="en-US" dirty="0"/>
               <a:t>Once</a:t>
             </a:r>
             <a:r>
-              <a:rPr lang="en-US" baseline="0"/>
+              <a:rPr lang="en-US" baseline="0" dirty="0"/>
               <a:t> enough groups are finished, review the quiz questions and refer students to the cheat sheet</a:t>
             </a:r>
-            <a:endParaRPr lang="en-US"/>
+            <a:endParaRPr lang="en-US" dirty="0"/>
           </a:p>
         </p:txBody>
       </p:sp>
@@ -1271,7 +1271,7 @@
     </p:spTree>
     <p:extLst>
       <p:ext uri="{BB962C8B-B14F-4D97-AF65-F5344CB8AC3E}">
-        <p14:creationId xmlns:p14="http://schemas.microsoft.com/office/powerpoint/2010/main" val="4010864625"/>
+        <p14:creationId xmlns:p14="http://schemas.microsoft.com/office/powerpoint/2010/main" val="1780070330"/>
       </p:ext>
     </p:extLst>
   </p:cSld>
@@ -1570,7 +1570,7 @@
               <a:pPr>
                 <a:defRPr/>
               </a:pPr>
-              <a:t>Tuesday, November 22, 2022</a:t>
+              <a:t>Thursday, December 1, 2022</a:t>
             </a:fld>
             <a:endParaRPr lang="en-US"/>
           </a:p>
@@ -1753,7 +1753,7 @@
               <a:pPr>
                 <a:defRPr/>
               </a:pPr>
-              <a:t>Tuesday, November 22, 2022</a:t>
+              <a:t>Thursday, December 1, 2022</a:t>
             </a:fld>
             <a:endParaRPr lang="en-US"/>
           </a:p>
@@ -1946,7 +1946,7 @@
               <a:pPr>
                 <a:defRPr/>
               </a:pPr>
-              <a:t>Tuesday, November 22, 2022</a:t>
+              <a:t>Thursday, December 1, 2022</a:t>
             </a:fld>
             <a:endParaRPr lang="en-US"/>
           </a:p>
@@ -2129,7 +2129,7 @@
               <a:pPr>
                 <a:defRPr/>
               </a:pPr>
-              <a:t>Tuesday, November 22, 2022</a:t>
+              <a:t>Thursday, December 1, 2022</a:t>
             </a:fld>
             <a:endParaRPr lang="en-US"/>
           </a:p>
@@ -2389,7 +2389,7 @@
               <a:pPr>
                 <a:defRPr/>
               </a:pPr>
-              <a:t>Tuesday, November 22, 2022</a:t>
+              <a:t>Thursday, December 1, 2022</a:t>
             </a:fld>
             <a:endParaRPr lang="en-US"/>
           </a:p>
@@ -2689,7 +2689,7 @@
               <a:pPr>
                 <a:defRPr/>
               </a:pPr>
-              <a:t>Tuesday, November 22, 2022</a:t>
+              <a:t>Thursday, December 1, 2022</a:t>
             </a:fld>
             <a:endParaRPr lang="en-US"/>
           </a:p>
@@ -3123,7 +3123,7 @@
               <a:pPr>
                 <a:defRPr/>
               </a:pPr>
-              <a:t>Tuesday, November 22, 2022</a:t>
+              <a:t>Thursday, December 1, 2022</a:t>
             </a:fld>
             <a:endParaRPr lang="en-US"/>
           </a:p>
@@ -3255,7 +3255,7 @@
               <a:pPr>
                 <a:defRPr/>
               </a:pPr>
-              <a:t>Tuesday, November 22, 2022</a:t>
+              <a:t>Thursday, December 1, 2022</a:t>
             </a:fld>
             <a:endParaRPr lang="en-US"/>
           </a:p>
@@ -3365,7 +3365,7 @@
               <a:pPr>
                 <a:defRPr/>
               </a:pPr>
-              <a:t>Tuesday, November 22, 2022</a:t>
+              <a:t>Thursday, December 1, 2022</a:t>
             </a:fld>
             <a:endParaRPr lang="en-US"/>
           </a:p>
@@ -3655,7 +3655,7 @@
               <a:pPr>
                 <a:defRPr/>
               </a:pPr>
-              <a:t>Tuesday, November 22, 2022</a:t>
+              <a:t>Thursday, December 1, 2022</a:t>
             </a:fld>
             <a:endParaRPr lang="en-US"/>
           </a:p>
@@ -3922,7 +3922,7 @@
               <a:pPr>
                 <a:defRPr/>
               </a:pPr>
-              <a:t>Tuesday, November 22, 2022</a:t>
+              <a:t>Thursday, December 1, 2022</a:t>
             </a:fld>
             <a:endParaRPr lang="en-US"/>
           </a:p>
@@ -4148,7 +4148,7 @@
               <a:pPr>
                 <a:defRPr/>
               </a:pPr>
-              <a:t>Tuesday, November 22, 2022</a:t>
+              <a:t>Thursday, December 1, 2022</a:t>
             </a:fld>
             <a:endParaRPr lang="en-US"/>
           </a:p>
@@ -7016,13 +7016,13 @@
               <a:buNone/>
             </a:pPr>
             <a:r>
-              <a:rPr lang="en-US"/>
+              <a:rPr lang="en-US" dirty="0"/>
               <a:t>Why:</a:t>
             </a:r>
           </a:p>
           <a:p>
             <a:r>
-              <a:rPr lang="en-US"/>
+              <a:rPr lang="en-US" dirty="0"/>
               <a:t>Match your data representation as closely as possible to the real-world</a:t>
             </a:r>
           </a:p>
@@ -7031,41 +7031,41 @@
               <a:buNone/>
             </a:pPr>
             <a:r>
-              <a:rPr lang="en-US"/>
+              <a:rPr lang="en-US" dirty="0"/>
               <a:t>How:</a:t>
             </a:r>
           </a:p>
           <a:p>
             <a:r>
-              <a:rPr lang="en-US" sz="2400">
+              <a:rPr lang="en-US" sz="2400" dirty="0">
                 <a:latin typeface="Courier New" panose="02070309020205020404" pitchFamily="49" charset="0"/>
                 <a:cs typeface="Courier New" panose="02070309020205020404" pitchFamily="49" charset="0"/>
               </a:rPr>
               <a:t>char[][] </a:t>
             </a:r>
             <a:r>
-              <a:rPr lang="en-US" sz="2400" err="1">
+              <a:rPr lang="en-US" sz="2400" dirty="0" err="1">
                 <a:latin typeface="Courier New" panose="02070309020205020404" pitchFamily="49" charset="0"/>
                 <a:cs typeface="Courier New" panose="02070309020205020404" pitchFamily="49" charset="0"/>
               </a:rPr>
               <a:t>ticTacToe</a:t>
             </a:r>
             <a:r>
-              <a:rPr lang="en-US" sz="2400">
+              <a:rPr lang="en-US" sz="2400" dirty="0">
                 <a:latin typeface="Courier New" panose="02070309020205020404" pitchFamily="49" charset="0"/>
                 <a:cs typeface="Courier New" panose="02070309020205020404" pitchFamily="49" charset="0"/>
               </a:rPr>
               <a:t> = </a:t>
             </a:r>
             <a:r>
-              <a:rPr lang="en-US" sz="2400" b="1">
+              <a:rPr lang="en-US" sz="2400" b="1" dirty="0">
                 <a:latin typeface="Courier New" panose="02070309020205020404" pitchFamily="49" charset="0"/>
                 <a:cs typeface="Courier New" panose="02070309020205020404" pitchFamily="49" charset="0"/>
               </a:rPr>
               <a:t>new</a:t>
             </a:r>
             <a:r>
-              <a:rPr lang="en-US" sz="2400">
+              <a:rPr lang="en-US" sz="2400" dirty="0">
                 <a:latin typeface="Courier New" panose="02070309020205020404" pitchFamily="49" charset="0"/>
                 <a:cs typeface="Courier New" panose="02070309020205020404" pitchFamily="49" charset="0"/>
               </a:rPr>
@@ -7074,107 +7074,119 @@
           </a:p>
           <a:p>
             <a:r>
-              <a:rPr lang="en-US"/>
+              <a:rPr lang="en-US" dirty="0"/>
               <a:t>Retrieving data</a:t>
             </a:r>
           </a:p>
           <a:p>
             <a:pPr lvl="1"/>
             <a:r>
-              <a:rPr lang="en-US" err="1">
+              <a:rPr lang="en-US" dirty="0" err="1">
                 <a:latin typeface="Courier New" panose="02070309020205020404" pitchFamily="49" charset="0"/>
                 <a:cs typeface="Courier New" panose="02070309020205020404" pitchFamily="49" charset="0"/>
               </a:rPr>
               <a:t>ticTacToe</a:t>
             </a:r>
             <a:r>
-              <a:rPr lang="en-US">
+              <a:rPr lang="en-US" dirty="0">
                 <a:latin typeface="Courier New" panose="02070309020205020404" pitchFamily="49" charset="0"/>
                 <a:cs typeface="Courier New" panose="02070309020205020404" pitchFamily="49" charset="0"/>
               </a:rPr>
               <a:t>[0]</a:t>
             </a:r>
             <a:r>
-              <a:rPr lang="en-US"/>
+              <a:rPr lang="en-US" dirty="0"/>
               <a:t> </a:t>
             </a:r>
             <a:r>
-              <a:rPr lang="en-US">
+              <a:rPr lang="en-US" dirty="0">
                 <a:sym typeface="Wingdings" panose="05000000000000000000" pitchFamily="2" charset="2"/>
               </a:rPr>
               <a:t></a:t>
             </a:r>
             <a:r>
-              <a:rPr lang="en-US"/>
+              <a:rPr lang="en-US" dirty="0"/>
               <a:t> accesses the first char[] </a:t>
             </a:r>
           </a:p>
           <a:p>
             <a:pPr lvl="1"/>
             <a:r>
-              <a:rPr lang="en-US" err="1">
+              <a:rPr lang="en-US" dirty="0" err="1">
                 <a:latin typeface="Courier New" panose="02070309020205020404" pitchFamily="49" charset="0"/>
                 <a:cs typeface="Courier New" panose="02070309020205020404" pitchFamily="49" charset="0"/>
               </a:rPr>
               <a:t>ticTacToe</a:t>
             </a:r>
             <a:r>
-              <a:rPr lang="en-US">
+              <a:rPr lang="en-US" dirty="0">
                 <a:latin typeface="Courier New" panose="02070309020205020404" pitchFamily="49" charset="0"/>
                 <a:cs typeface="Courier New" panose="02070309020205020404" pitchFamily="49" charset="0"/>
               </a:rPr>
               <a:t>[1][2]</a:t>
             </a:r>
             <a:r>
-              <a:rPr lang="en-US"/>
+              <a:rPr lang="en-US" dirty="0"/>
               <a:t> </a:t>
             </a:r>
             <a:r>
-              <a:rPr lang="en-US">
+              <a:rPr lang="en-US" dirty="0">
                 <a:sym typeface="Wingdings" panose="05000000000000000000" pitchFamily="2" charset="2"/>
               </a:rPr>
-              <a:t> accesses the 2</a:t>
-            </a:r>
-            <a:r>
-              <a:rPr lang="en-US" baseline="30000">
+              <a:t> </a:t>
+            </a:r>
+            <a:r>
+              <a:rPr lang="en-US" dirty="0" err="1">
                 <a:sym typeface="Wingdings" panose="05000000000000000000" pitchFamily="2" charset="2"/>
               </a:rPr>
+              <a:t>accesss</a:t>
+            </a:r>
+            <a:r>
+              <a:rPr lang="en-US" dirty="0">
+                <a:sym typeface="Wingdings" panose="05000000000000000000" pitchFamily="2" charset="2"/>
+              </a:rPr>
+              <a:t> the 2</a:t>
+            </a:r>
+            <a:r>
+              <a:rPr lang="en-US" baseline="30000" dirty="0">
+                <a:sym typeface="Wingdings" panose="05000000000000000000" pitchFamily="2" charset="2"/>
+              </a:rPr>
               <a:t>nd</a:t>
             </a:r>
             <a:r>
-              <a:rPr lang="en-US">
+              <a:rPr lang="en-US" dirty="0">
                 <a:sym typeface="Wingdings" panose="05000000000000000000" pitchFamily="2" charset="2"/>
               </a:rPr>
               <a:t> row's 3</a:t>
             </a:r>
             <a:r>
-              <a:rPr lang="en-US" baseline="30000">
+              <a:rPr lang="en-US" baseline="30000" dirty="0">
                 <a:sym typeface="Wingdings" panose="05000000000000000000" pitchFamily="2" charset="2"/>
               </a:rPr>
               <a:t>rd</a:t>
             </a:r>
             <a:r>
-              <a:rPr lang="en-US">
+              <a:rPr lang="en-US" dirty="0">
                 <a:sym typeface="Wingdings" panose="05000000000000000000" pitchFamily="2" charset="2"/>
               </a:rPr>
               <a:t> column</a:t>
             </a:r>
-            <a:endParaRPr lang="en-US"/>
-          </a:p>
-          <a:p>
-            <a:endParaRPr lang="en-US"/>
+            <a:endParaRPr lang="en-US" dirty="0"/>
+          </a:p>
+          <a:p>
+            <a:endParaRPr lang="en-US" dirty="0"/>
           </a:p>
           <a:p>
             <a:pPr marL="0" indent="0">
               <a:buNone/>
             </a:pPr>
-            <a:endParaRPr lang="en-US"/>
+            <a:endParaRPr lang="en-US" dirty="0"/>
           </a:p>
           <a:p>
             <a:pPr marL="0" indent="0">
               <a:buNone/>
             </a:pPr>
-            <a:endParaRPr lang="en-US"/>
+            <a:endParaRPr lang="en-US" dirty="0"/>
           </a:p>
         </p:txBody>
       </p:sp>
@@ -9231,7 +9243,7 @@
 </file>
 
 <file path=ppt/slides/slide25.xml><?xml version="1.0" encoding="utf-8"?>
-<p:sld xmlns:a="http://schemas.openxmlformats.org/drawingml/2006/main" xmlns:r="http://schemas.openxmlformats.org/officeDocument/2006/relationships" xmlns:p="http://schemas.openxmlformats.org/presentationml/2006/main" show="0">
+<p:sld xmlns:a="http://schemas.openxmlformats.org/drawingml/2006/main" xmlns:r="http://schemas.openxmlformats.org/officeDocument/2006/relationships" xmlns:p="http://schemas.openxmlformats.org/presentationml/2006/main">
   <p:cSld>
     <p:spTree>
       <p:nvGrpSpPr>
@@ -9263,56 +9275,404 @@
           <a:lstStyle/>
           <a:p>
             <a:r>
-              <a:rPr lang="en-US"/>
+              <a:rPr lang="en-US" dirty="0"/>
               <a:t>2D Arrays</a:t>
             </a:r>
           </a:p>
         </p:txBody>
       </p:sp>
-      <p:sp>
-        <p:nvSpPr>
-          <p:cNvPr id="3" name="Content Placeholder 2"/>
-          <p:cNvSpPr>
-            <a:spLocks noGrp="1"/>
-          </p:cNvSpPr>
-          <p:nvPr>
-            <p:ph idx="1"/>
-          </p:nvPr>
-        </p:nvSpPr>
-        <p:spPr/>
-        <p:txBody>
-          <a:bodyPr>
-            <a:normAutofit lnSpcReduction="10000"/>
+      <p:pic>
+        <p:nvPicPr>
+          <p:cNvPr id="4" name="Picture 3"/>
+          <p:cNvPicPr>
+            <a:picLocks noChangeAspect="1"/>
+          </p:cNvPicPr>
+          <p:nvPr/>
+        </p:nvPicPr>
+        <p:blipFill rotWithShape="1">
+          <a:blip r:embed="rId3"/>
+          <a:srcRect l="1173"/>
+          <a:stretch/>
+        </p:blipFill>
+        <p:spPr>
+          <a:xfrm>
+            <a:off x="152400" y="1199269"/>
+            <a:ext cx="4343400" cy="2920087"/>
+          </a:xfrm>
+          <a:prstGeom prst="rect">
+            <a:avLst/>
+          </a:prstGeom>
+        </p:spPr>
+      </p:pic>
+      <p:pic>
+        <p:nvPicPr>
+          <p:cNvPr id="5" name="Picture 4"/>
+          <p:cNvPicPr>
+            <a:picLocks noChangeAspect="1"/>
+          </p:cNvPicPr>
+          <p:nvPr/>
+        </p:nvPicPr>
+        <p:blipFill rotWithShape="1">
+          <a:blip r:embed="rId4"/>
+          <a:srcRect l="24800" t="35443" r="25138"/>
+          <a:stretch/>
+        </p:blipFill>
+        <p:spPr>
+          <a:xfrm>
+            <a:off x="450574" y="4572984"/>
+            <a:ext cx="4045226" cy="2022612"/>
+          </a:xfrm>
+          <a:prstGeom prst="rect">
+            <a:avLst/>
+          </a:prstGeom>
+        </p:spPr>
+      </p:pic>
+      <p:pic>
+        <p:nvPicPr>
+          <p:cNvPr id="6" name="Picture 5"/>
+          <p:cNvPicPr>
+            <a:picLocks noChangeAspect="1"/>
+          </p:cNvPicPr>
+          <p:nvPr/>
+        </p:nvPicPr>
+        <p:blipFill>
+          <a:blip r:embed="rId5"/>
+          <a:stretch>
+            <a:fillRect/>
+          </a:stretch>
+        </p:blipFill>
+        <p:spPr>
+          <a:xfrm>
+            <a:off x="5410200" y="2203001"/>
+            <a:ext cx="3419475" cy="1752600"/>
+          </a:xfrm>
+          <a:prstGeom prst="rect">
+            <a:avLst/>
+          </a:prstGeom>
+        </p:spPr>
+      </p:pic>
+      <p:pic>
+        <p:nvPicPr>
+          <p:cNvPr id="7" name="Picture 6"/>
+          <p:cNvPicPr>
+            <a:picLocks noChangeAspect="1"/>
+          </p:cNvPicPr>
+          <p:nvPr/>
+        </p:nvPicPr>
+        <p:blipFill>
+          <a:blip r:embed="rId6"/>
+          <a:stretch>
+            <a:fillRect/>
+          </a:stretch>
+        </p:blipFill>
+        <p:spPr>
+          <a:xfrm>
+            <a:off x="5914197" y="4954552"/>
+            <a:ext cx="2667000" cy="1338988"/>
+          </a:xfrm>
+          <a:prstGeom prst="rect">
+            <a:avLst/>
+          </a:prstGeom>
+        </p:spPr>
+        <p:style>
+          <a:lnRef idx="3">
+            <a:schemeClr val="lt1"/>
+          </a:lnRef>
+          <a:fillRef idx="1">
+            <a:schemeClr val="accent1"/>
+          </a:fillRef>
+          <a:effectRef idx="1">
+            <a:schemeClr val="accent1"/>
+          </a:effectRef>
+          <a:fontRef idx="minor">
+            <a:schemeClr val="lt1"/>
+          </a:fontRef>
+        </p:style>
+      </p:pic>
+      <p:pic>
+        <p:nvPicPr>
+          <p:cNvPr id="9" name="Picture 8"/>
+          <p:cNvPicPr>
+            <a:picLocks noChangeAspect="1"/>
+          </p:cNvPicPr>
+          <p:nvPr/>
+        </p:nvPicPr>
+        <p:blipFill rotWithShape="1">
+          <a:blip r:embed="rId3"/>
+          <a:srcRect l="1173"/>
+          <a:stretch/>
+        </p:blipFill>
+        <p:spPr>
+          <a:xfrm>
+            <a:off x="168965" y="1199269"/>
+            <a:ext cx="4343400" cy="2920087"/>
+          </a:xfrm>
+          <a:prstGeom prst="rect">
+            <a:avLst/>
+          </a:prstGeom>
+        </p:spPr>
+        <p:style>
+          <a:lnRef idx="3">
+            <a:schemeClr val="lt1"/>
+          </a:lnRef>
+          <a:fillRef idx="1">
+            <a:schemeClr val="accent1"/>
+          </a:fillRef>
+          <a:effectRef idx="1">
+            <a:schemeClr val="accent1"/>
+          </a:effectRef>
+          <a:fontRef idx="minor">
+            <a:schemeClr val="lt1"/>
+          </a:fontRef>
+        </p:style>
+      </p:pic>
+      <p:pic>
+        <p:nvPicPr>
+          <p:cNvPr id="10" name="Picture 9"/>
+          <p:cNvPicPr>
+            <a:picLocks noChangeAspect="1"/>
+          </p:cNvPicPr>
+          <p:nvPr/>
+        </p:nvPicPr>
+        <p:blipFill rotWithShape="1">
+          <a:blip r:embed="rId4"/>
+          <a:srcRect l="24800" t="35443" r="25138"/>
+          <a:stretch/>
+        </p:blipFill>
+        <p:spPr>
+          <a:xfrm>
+            <a:off x="467139" y="4572984"/>
+            <a:ext cx="4045226" cy="2022612"/>
+          </a:xfrm>
+          <a:prstGeom prst="rect">
+            <a:avLst/>
+          </a:prstGeom>
+        </p:spPr>
+        <p:style>
+          <a:lnRef idx="3">
+            <a:schemeClr val="lt1"/>
+          </a:lnRef>
+          <a:fillRef idx="1">
+            <a:schemeClr val="accent1"/>
+          </a:fillRef>
+          <a:effectRef idx="1">
+            <a:schemeClr val="accent1"/>
+          </a:effectRef>
+          <a:fontRef idx="minor">
+            <a:schemeClr val="lt1"/>
+          </a:fontRef>
+        </p:style>
+      </p:pic>
+      <p:pic>
+        <p:nvPicPr>
+          <p:cNvPr id="11" name="Picture 10"/>
+          <p:cNvPicPr>
+            <a:picLocks noChangeAspect="1"/>
+          </p:cNvPicPr>
+          <p:nvPr/>
+        </p:nvPicPr>
+        <p:blipFill>
+          <a:blip r:embed="rId5"/>
+          <a:stretch>
+            <a:fillRect/>
+          </a:stretch>
+        </p:blipFill>
+        <p:spPr>
+          <a:xfrm>
+            <a:off x="5426765" y="2203001"/>
+            <a:ext cx="3419475" cy="1752600"/>
+          </a:xfrm>
+          <a:prstGeom prst="rect">
+            <a:avLst/>
+          </a:prstGeom>
+        </p:spPr>
+        <p:style>
+          <a:lnRef idx="3">
+            <a:schemeClr val="lt1"/>
+          </a:lnRef>
+          <a:fillRef idx="1">
+            <a:schemeClr val="accent1"/>
+          </a:fillRef>
+          <a:effectRef idx="1">
+            <a:schemeClr val="accent1"/>
+          </a:effectRef>
+          <a:fontRef idx="minor">
+            <a:schemeClr val="lt1"/>
+          </a:fontRef>
+        </p:style>
+      </p:pic>
+      <p:sp>
+        <p:nvSpPr>
+          <p:cNvPr id="12" name="Rectangle 11"/>
+          <p:cNvSpPr/>
+          <p:nvPr/>
+        </p:nvSpPr>
+        <p:spPr>
+          <a:xfrm>
+            <a:off x="2456849" y="2029601"/>
+            <a:ext cx="569387" cy="923330"/>
+          </a:xfrm>
+          <a:prstGeom prst="rect">
+            <a:avLst/>
+          </a:prstGeom>
+          <a:noFill/>
+        </p:spPr>
+        <p:txBody>
+          <a:bodyPr wrap="none" lIns="91440" tIns="45720" rIns="91440" bIns="45720">
+            <a:spAutoFit/>
           </a:bodyPr>
           <a:lstStyle/>
           <a:p>
-            <a:r>
-              <a:rPr lang="en-US"/>
-              <a:t>Make groups of two (no more than 3, no one can work alone)</a:t>
-            </a:r>
-          </a:p>
-          <a:p>
-            <a:r>
-              <a:rPr lang="en-US"/>
-              <a:t>Read through the 3 2D Array sample problems with your partner and make sure you both understand how they work</a:t>
-            </a:r>
-          </a:p>
-          <a:p>
-            <a:r>
-              <a:rPr lang="en-US"/>
-              <a:t>Then use the code as an example to answer the 2D Array quiz questions</a:t>
-            </a:r>
-          </a:p>
-          <a:p>
-            <a:r>
-              <a:rPr lang="en-US"/>
-              <a:t>Then do the 2d sample problems</a:t>
-            </a:r>
-          </a:p>
-          <a:p>
-            <a:r>
-              <a:rPr lang="en-US"/>
-              <a:t>Call me over when you’re finished</a:t>
+            <a:pPr algn="ctr"/>
+            <a:r>
+              <a:rPr lang="en-US" sz="5400" b="1" cap="none" spc="0" dirty="0">
+                <a:ln w="22225">
+                  <a:solidFill>
+                    <a:schemeClr val="accent2"/>
+                  </a:solidFill>
+                  <a:prstDash val="solid"/>
+                </a:ln>
+                <a:solidFill>
+                  <a:schemeClr val="accent2">
+                    <a:lumMod val="40000"/>
+                    <a:lumOff val="60000"/>
+                  </a:schemeClr>
+                </a:solidFill>
+                <a:effectLst/>
+              </a:rPr>
+              <a:t>1</a:t>
+            </a:r>
+          </a:p>
+        </p:txBody>
+      </p:sp>
+      <p:sp>
+        <p:nvSpPr>
+          <p:cNvPr id="13" name="Rectangle 12"/>
+          <p:cNvSpPr/>
+          <p:nvPr/>
+        </p:nvSpPr>
+        <p:spPr>
+          <a:xfrm>
+            <a:off x="2893942" y="5162381"/>
+            <a:ext cx="569387" cy="923330"/>
+          </a:xfrm>
+          <a:prstGeom prst="rect">
+            <a:avLst/>
+          </a:prstGeom>
+          <a:noFill/>
+        </p:spPr>
+        <p:txBody>
+          <a:bodyPr wrap="none" lIns="91440" tIns="45720" rIns="91440" bIns="45720">
+            <a:spAutoFit/>
+          </a:bodyPr>
+          <a:lstStyle/>
+          <a:p>
+            <a:pPr algn="ctr"/>
+            <a:r>
+              <a:rPr lang="en-US" sz="5400" b="1" cap="none" spc="0" dirty="0">
+                <a:ln w="22225">
+                  <a:solidFill>
+                    <a:schemeClr val="accent2"/>
+                  </a:solidFill>
+                  <a:prstDash val="solid"/>
+                </a:ln>
+                <a:solidFill>
+                  <a:schemeClr val="accent2">
+                    <a:lumMod val="40000"/>
+                    <a:lumOff val="60000"/>
+                  </a:schemeClr>
+                </a:solidFill>
+                <a:effectLst/>
+              </a:rPr>
+              <a:t>2</a:t>
+            </a:r>
+          </a:p>
+        </p:txBody>
+      </p:sp>
+      <p:sp>
+        <p:nvSpPr>
+          <p:cNvPr id="14" name="Rectangle 13"/>
+          <p:cNvSpPr/>
+          <p:nvPr/>
+        </p:nvSpPr>
+        <p:spPr>
+          <a:xfrm>
+            <a:off x="6783684" y="2520367"/>
+            <a:ext cx="569387" cy="923330"/>
+          </a:xfrm>
+          <a:prstGeom prst="rect">
+            <a:avLst/>
+          </a:prstGeom>
+          <a:noFill/>
+        </p:spPr>
+        <p:txBody>
+          <a:bodyPr wrap="none" lIns="91440" tIns="45720" rIns="91440" bIns="45720">
+            <a:spAutoFit/>
+          </a:bodyPr>
+          <a:lstStyle/>
+          <a:p>
+            <a:pPr algn="ctr"/>
+            <a:r>
+              <a:rPr lang="en-US" sz="5400" b="1" cap="none" spc="0" dirty="0">
+                <a:ln w="22225">
+                  <a:solidFill>
+                    <a:schemeClr val="accent2"/>
+                  </a:solidFill>
+                  <a:prstDash val="solid"/>
+                </a:ln>
+                <a:solidFill>
+                  <a:schemeClr val="accent2">
+                    <a:lumMod val="40000"/>
+                    <a:lumOff val="60000"/>
+                  </a:schemeClr>
+                </a:solidFill>
+                <a:effectLst/>
+              </a:rPr>
+              <a:t>3</a:t>
+            </a:r>
+          </a:p>
+        </p:txBody>
+      </p:sp>
+      <p:sp>
+        <p:nvSpPr>
+          <p:cNvPr id="15" name="Rectangle 14"/>
+          <p:cNvSpPr/>
+          <p:nvPr/>
+        </p:nvSpPr>
+        <p:spPr>
+          <a:xfrm>
+            <a:off x="6963002" y="4700716"/>
+            <a:ext cx="569388" cy="923330"/>
+          </a:xfrm>
+          <a:prstGeom prst="rect">
+            <a:avLst/>
+          </a:prstGeom>
+          <a:noFill/>
+        </p:spPr>
+        <p:txBody>
+          <a:bodyPr wrap="none" lIns="91440" tIns="45720" rIns="91440" bIns="45720">
+            <a:spAutoFit/>
+          </a:bodyPr>
+          <a:lstStyle/>
+          <a:p>
+            <a:pPr algn="ctr"/>
+            <a:r>
+              <a:rPr lang="en-US" sz="5400" b="1" cap="none" spc="0" dirty="0">
+                <a:ln w="22225">
+                  <a:solidFill>
+                    <a:schemeClr val="accent2"/>
+                  </a:solidFill>
+                  <a:prstDash val="solid"/>
+                </a:ln>
+                <a:solidFill>
+                  <a:schemeClr val="accent2">
+                    <a:lumMod val="40000"/>
+                    <a:lumOff val="60000"/>
+                  </a:schemeClr>
+                </a:solidFill>
+                <a:effectLst/>
+              </a:rPr>
+              <a:t>4</a:t>
             </a:r>
           </a:p>
         </p:txBody>
@@ -9320,7 +9680,7 @@
     </p:spTree>
     <p:extLst>
       <p:ext uri="{BB962C8B-B14F-4D97-AF65-F5344CB8AC3E}">
-        <p14:creationId xmlns:p14="http://schemas.microsoft.com/office/powerpoint/2010/main" val="2522096617"/>
+        <p14:creationId xmlns:p14="http://schemas.microsoft.com/office/powerpoint/2010/main" val="2319455308"/>
       </p:ext>
     </p:extLst>
   </p:cSld>
@@ -9363,7 +9723,7 @@
           <a:lstStyle/>
           <a:p>
             <a:r>
-              <a:rPr lang="en-US"/>
+              <a:rPr lang="en-US" dirty="0"/>
               <a:t>2D Arrays</a:t>
             </a:r>
           </a:p>
@@ -9381,8 +9741,8 @@
         </p:nvSpPr>
         <p:spPr>
           <a:xfrm>
-            <a:off x="0" y="1600200"/>
-            <a:ext cx="9144000" cy="4648200"/>
+            <a:off x="71120" y="1214120"/>
+            <a:ext cx="9144000" cy="5166360"/>
           </a:xfrm>
         </p:spPr>
         <p:txBody>
@@ -9419,6 +9779,35 @@
             <a:r>
               <a:rPr lang="en-US" sz="2400" dirty="0"/>
               <a:t>Then do the 2d sample problems in the in-class exercise for today</a:t>
+            </a:r>
+          </a:p>
+          <a:p>
+            <a:endParaRPr lang="en-US" sz="2400" dirty="0"/>
+          </a:p>
+          <a:p>
+            <a:endParaRPr lang="en-US" sz="2400" dirty="0"/>
+          </a:p>
+          <a:p>
+            <a:endParaRPr lang="en-US" sz="2400" dirty="0"/>
+          </a:p>
+          <a:p>
+            <a:r>
+              <a:rPr lang="en-US" sz="2400" dirty="0"/>
+              <a:t>Post ANY questions to Piazza </a:t>
+            </a:r>
+            <a:r>
+              <a:rPr lang="en-US" sz="2400" b="1" i="1" u="sng" dirty="0"/>
+              <a:t>even including code </a:t>
+            </a:r>
+            <a:r>
+              <a:rPr lang="en-US" sz="2400" dirty="0"/>
+              <a:t>since this is purely collaborative exercise and the solution code is available to you</a:t>
+            </a:r>
+          </a:p>
+          <a:p>
+            <a:r>
+              <a:rPr lang="en-US" sz="2400" dirty="0"/>
+              <a:t>Please look to help answer questions other students post</a:t>
             </a:r>
           </a:p>
           <a:p>
@@ -9454,8 +9843,8 @@
         </p:blipFill>
         <p:spPr>
           <a:xfrm>
-            <a:off x="304800" y="4038600"/>
-            <a:ext cx="3898900" cy="1511300"/>
+            <a:off x="375920" y="3953510"/>
+            <a:ext cx="3586480" cy="1390199"/>
           </a:xfrm>
           <a:prstGeom prst="rect">
             <a:avLst/>
@@ -9484,7 +9873,7 @@
         </p:blipFill>
         <p:spPr>
           <a:xfrm>
-            <a:off x="4203699" y="2052212"/>
+            <a:off x="4234179" y="1641120"/>
             <a:ext cx="3859941" cy="1044454"/>
           </a:xfrm>
           <a:prstGeom prst="rect">
@@ -11225,6 +11614,15 @@
 </file>
 
 <file path=customXml/item1.xml><?xml version="1.0" encoding="utf-8"?>
+<?mso-contentType ?>
+<FormTemplates xmlns="http://schemas.microsoft.com/sharepoint/v3/contenttype/forms">
+  <Display>DocumentLibraryForm</Display>
+  <Edit>DocumentLibraryForm</Edit>
+  <New>DocumentLibraryForm</New>
+</FormTemplates>
+</file>
+
+<file path=customXml/item2.xml><?xml version="1.0" encoding="utf-8"?>
 <ct:contentTypeSchema xmlns:ct="http://schemas.microsoft.com/office/2006/metadata/contentType" xmlns:ma="http://schemas.microsoft.com/office/2006/metadata/properties/metaAttributes" ct:_="" ma:_="" ma:contentTypeName="Document" ma:contentTypeID="0x0101004285D81DBE5F5A448E892B34D6B8CF20" ma:contentTypeVersion="2" ma:contentTypeDescription="Create a new document." ma:contentTypeScope="" ma:versionID="026ccaf10de5d9915dfa48c6db16b59b">
   <xsd:schema xmlns:xsd="http://www.w3.org/2001/XMLSchema" xmlns:xs="http://www.w3.org/2001/XMLSchema" xmlns:p="http://schemas.microsoft.com/office/2006/metadata/properties" xmlns:ns2="08600313-7276-4ca7-b5d3-7d86193ee0ac" targetNamespace="http://schemas.microsoft.com/office/2006/metadata/properties" ma:root="true" ma:fieldsID="c887e4ee215f388544e22a2030d7ea35" ns2:_="">
     <xsd:import namespace="08600313-7276-4ca7-b5d3-7d86193ee0ac"/>
@@ -11356,22 +11754,21 @@
 </ct:contentTypeSchema>
 </file>
 
-<file path=customXml/item2.xml><?xml version="1.0" encoding="utf-8"?>
+<file path=customXml/item3.xml><?xml version="1.0" encoding="utf-8"?>
 <p:properties xmlns:p="http://schemas.microsoft.com/office/2006/metadata/properties" xmlns:xsi="http://www.w3.org/2001/XMLSchema-instance" xmlns:pc="http://schemas.microsoft.com/office/infopath/2007/PartnerControls">
   <documentManagement/>
 </p:properties>
 </file>
 
-<file path=customXml/item3.xml><?xml version="1.0" encoding="utf-8"?>
-<?mso-contentType ?>
-<FormTemplates xmlns="http://schemas.microsoft.com/sharepoint/v3/contenttype/forms">
-  <Display>DocumentLibraryForm</Display>
-  <Edit>DocumentLibraryForm</Edit>
-  <New>DocumentLibraryForm</New>
-</FormTemplates>
+<file path=customXml/itemProps1.xml><?xml version="1.0" encoding="utf-8"?>
+<ds:datastoreItem xmlns:ds="http://schemas.openxmlformats.org/officeDocument/2006/customXml" ds:itemID="{17FAF4A3-64B4-43E8-BB8B-B01EB9ECAC06}">
+  <ds:schemaRefs>
+    <ds:schemaRef ds:uri="http://schemas.microsoft.com/sharepoint/v3/contenttype/forms"/>
+  </ds:schemaRefs>
+</ds:datastoreItem>
 </file>
 
-<file path=customXml/itemProps1.xml><?xml version="1.0" encoding="utf-8"?>
+<file path=customXml/itemProps2.xml><?xml version="1.0" encoding="utf-8"?>
 <ds:datastoreItem xmlns:ds="http://schemas.openxmlformats.org/officeDocument/2006/customXml" ds:itemID="{FB830662-5179-45C5-B8BB-41FD5024BBF4}">
   <ds:schemaRefs>
     <ds:schemaRef ds:uri="http://schemas.microsoft.com/office/2006/metadata/contentType"/>
@@ -11389,7 +11786,7 @@
 </ds:datastoreItem>
 </file>
 
-<file path=customXml/itemProps2.xml><?xml version="1.0" encoding="utf-8"?>
+<file path=customXml/itemProps3.xml><?xml version="1.0" encoding="utf-8"?>
 <ds:datastoreItem xmlns:ds="http://schemas.openxmlformats.org/officeDocument/2006/customXml" ds:itemID="{F4E211C1-CD9D-46C8-BE98-ADF55AECFF6A}">
   <ds:schemaRefs>
     <ds:schemaRef ds:uri="79ddb764-415a-4c38-83b7-908be6382bea"/>
@@ -11403,12 +11800,4 @@
     <ds:schemaRef ds:uri="http://www.w3.org/XML/1998/namespace"/>
   </ds:schemaRefs>
 </ds:datastoreItem>
-</file>
-
-<file path=customXml/itemProps3.xml><?xml version="1.0" encoding="utf-8"?>
-<ds:datastoreItem xmlns:ds="http://schemas.openxmlformats.org/officeDocument/2006/customXml" ds:itemID="{17FAF4A3-64B4-43E8-BB8B-B01EB9ECAC06}">
-  <ds:schemaRefs>
-    <ds:schemaRef ds:uri="http://schemas.microsoft.com/sharepoint/v3/contenttype/forms"/>
-  </ds:schemaRefs>
-</ds:datastoreItem>
 </file>